--- a/Programacion web extendido/PW_Sesion7.pptx
+++ b/Programacion web extendido/PW_Sesion7.pptx
@@ -230,7 +230,7 @@
           <a:p>
             <a:fld id="{7FF7D7FF-DDC7-474C-8526-899954A31AD1}" type="datetimeFigureOut">
               <a:rPr lang="es-EC" smtClean="0"/>
-              <a:t>31/3/2024</a:t>
+              <a:t>8/11/2024</a:t>
             </a:fld>
             <a:endParaRPr lang="es-EC"/>
           </a:p>
@@ -407,7 +407,7 @@
           <a:p>
             <a:fld id="{A266080D-5226-48DF-A08B-67FADEB85FAB}" type="datetimeFigureOut">
               <a:rPr lang="es-419" smtClean="0"/>
-              <a:t>31/3/2024</a:t>
+              <a:t>8/11/2024</a:t>
             </a:fld>
             <a:endParaRPr lang="es-419"/>
           </a:p>
@@ -1646,7 +1646,7 @@
           <a:p>
             <a:fld id="{8FEB83C7-CE7D-EE43-931B-A983B2AE7CF3}" type="datetimeFigureOut">
               <a:rPr lang="es-EC" smtClean="0"/>
-              <a:t>31/3/2024</a:t>
+              <a:t>8/11/2024</a:t>
             </a:fld>
             <a:endParaRPr lang="es-EC"/>
           </a:p>
@@ -1816,7 +1816,7 @@
           <a:p>
             <a:fld id="{8FEB83C7-CE7D-EE43-931B-A983B2AE7CF3}" type="datetimeFigureOut">
               <a:rPr lang="es-EC" smtClean="0"/>
-              <a:t>31/3/2024</a:t>
+              <a:t>8/11/2024</a:t>
             </a:fld>
             <a:endParaRPr lang="es-EC"/>
           </a:p>
@@ -1996,7 +1996,7 @@
           <a:p>
             <a:fld id="{8FEB83C7-CE7D-EE43-931B-A983B2AE7CF3}" type="datetimeFigureOut">
               <a:rPr lang="es-EC" smtClean="0"/>
-              <a:t>31/3/2024</a:t>
+              <a:t>8/11/2024</a:t>
             </a:fld>
             <a:endParaRPr lang="es-EC"/>
           </a:p>
@@ -2608,7 +2608,7 @@
           <a:p>
             <a:fld id="{8FEB83C7-CE7D-EE43-931B-A983B2AE7CF3}" type="datetimeFigureOut">
               <a:rPr lang="es-EC" smtClean="0"/>
-              <a:t>31/3/2024</a:t>
+              <a:t>8/11/2024</a:t>
             </a:fld>
             <a:endParaRPr lang="es-EC"/>
           </a:p>
@@ -2854,7 +2854,7 @@
           <a:p>
             <a:fld id="{8FEB83C7-CE7D-EE43-931B-A983B2AE7CF3}" type="datetimeFigureOut">
               <a:rPr lang="es-EC" smtClean="0"/>
-              <a:t>31/3/2024</a:t>
+              <a:t>8/11/2024</a:t>
             </a:fld>
             <a:endParaRPr lang="es-EC"/>
           </a:p>
@@ -3086,7 +3086,7 @@
           <a:p>
             <a:fld id="{8FEB83C7-CE7D-EE43-931B-A983B2AE7CF3}" type="datetimeFigureOut">
               <a:rPr lang="es-EC" smtClean="0"/>
-              <a:t>31/3/2024</a:t>
+              <a:t>8/11/2024</a:t>
             </a:fld>
             <a:endParaRPr lang="es-EC"/>
           </a:p>
@@ -3453,7 +3453,7 @@
           <a:p>
             <a:fld id="{8FEB83C7-CE7D-EE43-931B-A983B2AE7CF3}" type="datetimeFigureOut">
               <a:rPr lang="es-EC" smtClean="0"/>
-              <a:t>31/3/2024</a:t>
+              <a:t>8/11/2024</a:t>
             </a:fld>
             <a:endParaRPr lang="es-EC"/>
           </a:p>
@@ -3571,7 +3571,7 @@
           <a:p>
             <a:fld id="{8FEB83C7-CE7D-EE43-931B-A983B2AE7CF3}" type="datetimeFigureOut">
               <a:rPr lang="es-EC" smtClean="0"/>
-              <a:t>31/3/2024</a:t>
+              <a:t>8/11/2024</a:t>
             </a:fld>
             <a:endParaRPr lang="es-EC"/>
           </a:p>
@@ -3666,7 +3666,7 @@
           <a:p>
             <a:fld id="{8FEB83C7-CE7D-EE43-931B-A983B2AE7CF3}" type="datetimeFigureOut">
               <a:rPr lang="es-EC" smtClean="0"/>
-              <a:t>31/3/2024</a:t>
+              <a:t>8/11/2024</a:t>
             </a:fld>
             <a:endParaRPr lang="es-EC"/>
           </a:p>
@@ -3943,7 +3943,7 @@
           <a:p>
             <a:fld id="{8FEB83C7-CE7D-EE43-931B-A983B2AE7CF3}" type="datetimeFigureOut">
               <a:rPr lang="es-EC" smtClean="0"/>
-              <a:t>31/3/2024</a:t>
+              <a:t>8/11/2024</a:t>
             </a:fld>
             <a:endParaRPr lang="es-EC"/>
           </a:p>
@@ -4200,7 +4200,7 @@
           <a:p>
             <a:fld id="{8FEB83C7-CE7D-EE43-931B-A983B2AE7CF3}" type="datetimeFigureOut">
               <a:rPr lang="es-EC" smtClean="0"/>
-              <a:t>31/3/2024</a:t>
+              <a:t>8/11/2024</a:t>
             </a:fld>
             <a:endParaRPr lang="es-EC"/>
           </a:p>
@@ -4413,7 +4413,7 @@
           <a:p>
             <a:fld id="{8FEB83C7-CE7D-EE43-931B-A983B2AE7CF3}" type="datetimeFigureOut">
               <a:rPr lang="es-EC" smtClean="0"/>
-              <a:t>31/3/2024</a:t>
+              <a:t>8/11/2024</a:t>
             </a:fld>
             <a:endParaRPr lang="es-EC"/>
           </a:p>
@@ -4950,7 +4950,7 @@
           <a:p>
             <a:fld id="{8FEB83C7-CE7D-EE43-931B-A983B2AE7CF3}" type="datetimeFigureOut">
               <a:rPr lang="es-EC" smtClean="0"/>
-              <a:t>31/3/2024</a:t>
+              <a:t>8/11/2024</a:t>
             </a:fld>
             <a:endParaRPr lang="es-EC"/>
           </a:p>
@@ -5424,8 +5424,12 @@
           <a:lstStyle/>
           <a:p>
             <a:r>
+              <a:rPr lang="es-419"/>
+              <a:t>Sesión 7: </a:t>
+            </a:r>
+            <a:r>
               <a:rPr lang="es-419" dirty="0"/>
-              <a:t>Sesión 8: Widgets HTML </a:t>
+              <a:t>Widgets HTML </a:t>
             </a:r>
           </a:p>
         </p:txBody>
